--- a/Laravel Virtual Training.pptx
+++ b/Laravel Virtual Training.pptx
@@ -488,6 +488,91 @@
     </a:lvl9pPr>
   </p:notesStyle>
 </p:notesMaster>
+</file>
+
+<file path=ppt/notesSlides/notesSlide1.xml><?xml version="1.0" encoding="utf-8"?>
+<p:notes xmlns:a="http://schemas.openxmlformats.org/drawingml/2006/main" xmlns:r="http://schemas.openxmlformats.org/officeDocument/2006/relationships" xmlns:p="http://schemas.openxmlformats.org/presentationml/2006/main">
+  <p:cSld>
+    <p:spTree>
+      <p:nvGrpSpPr>
+        <p:cNvPr id="1" name=""/>
+        <p:cNvGrpSpPr/>
+        <p:nvPr/>
+      </p:nvGrpSpPr>
+      <p:grpSpPr>
+        <a:xfrm>
+          <a:off x="0" y="0"/>
+          <a:ext cx="0" cy="0"/>
+          <a:chOff x="0" y="0"/>
+          <a:chExt cx="0" cy="0"/>
+        </a:xfrm>
+      </p:grpSpPr>
+      <p:sp>
+        <p:nvSpPr>
+          <p:cNvPr id="2" name="Slide Image Placeholder 1"/>
+          <p:cNvSpPr>
+            <a:spLocks noGrp="1" noRot="1" noChangeAspect="1"/>
+          </p:cNvSpPr>
+          <p:nvPr>
+            <p:ph type="sldImg"/>
+          </p:nvPr>
+        </p:nvSpPr>
+        <p:spPr/>
+      </p:sp>
+      <p:sp>
+        <p:nvSpPr>
+          <p:cNvPr id="3" name="Notes Placeholder 2"/>
+          <p:cNvSpPr>
+            <a:spLocks noGrp="1"/>
+          </p:cNvSpPr>
+          <p:nvPr>
+            <p:ph type="body" idx="1"/>
+          </p:nvPr>
+        </p:nvSpPr>
+        <p:spPr/>
+        <p:txBody>
+          <a:bodyPr/>
+          <a:lstStyle/>
+          <a:p>
+            <a:endParaRPr lang="en-US" dirty="0"/>
+          </a:p>
+        </p:txBody>
+      </p:sp>
+      <p:sp>
+        <p:nvSpPr>
+          <p:cNvPr id="4" name="Slide Number Placeholder 3"/>
+          <p:cNvSpPr>
+            <a:spLocks noGrp="1"/>
+          </p:cNvSpPr>
+          <p:nvPr>
+            <p:ph type="sldNum" sz="quarter" idx="5"/>
+          </p:nvPr>
+        </p:nvSpPr>
+        <p:spPr/>
+        <p:txBody>
+          <a:bodyPr/>
+          <a:lstStyle/>
+          <a:p>
+            <a:fld id="{49EC4902-2DC4-4CB3-A0AA-8F49AE7E9F14}" type="slidenum">
+              <a:rPr lang="en-US" smtClean="0"/>
+              <a:pPr/>
+              <a:t>1</a:t>
+            </a:fld>
+            <a:endParaRPr lang="en-US"/>
+          </a:p>
+        </p:txBody>
+      </p:sp>
+    </p:spTree>
+    <p:extLst>
+      <p:ext uri="{BB962C8B-B14F-4D97-AF65-F5344CB8AC3E}">
+        <p14:creationId xmlns:p14="http://schemas.microsoft.com/office/powerpoint/2010/main" val="227724375"/>
+      </p:ext>
+    </p:extLst>
+  </p:cSld>
+  <p:clrMapOvr>
+    <a:masterClrMapping/>
+  </p:clrMapOvr>
+</p:notes>
 </file>
 
 <file path=ppt/slideLayouts/slideLayout1.xml><?xml version="1.0" encoding="utf-8"?>
@@ -4213,8 +4298,8 @@
         </p:nvSpPr>
         <p:spPr>
           <a:xfrm>
-            <a:off x="614362" y="3970226"/>
-            <a:ext cx="8077200" cy="1673352"/>
+            <a:off x="527248" y="3970226"/>
+            <a:ext cx="8077200" cy="2339094"/>
           </a:xfrm>
         </p:spPr>
         <p:txBody>
@@ -4251,43 +4336,35 @@
               <a:t> Resources</a:t>
             </a:r>
             <a:br>
-              <a:rPr lang="en-US" sz="3600">
-                <a:solidFill>
-                  <a:schemeClr val="tx1"/>
-                </a:solidFill>
-              </a:rPr>
-            </a:br>
-            <a:r>
-              <a:rPr lang="en-US" sz="3600">
-                <a:solidFill>
-                  <a:schemeClr val="tx1"/>
-                </a:solidFill>
-              </a:rPr>
-              <a:t>22</a:t>
-            </a:r>
-            <a:r>
-              <a:rPr lang="en-US" sz="3600" baseline="30000">
-                <a:solidFill>
-                  <a:schemeClr val="tx1"/>
-                </a:solidFill>
-              </a:rPr>
-              <a:t>nd</a:t>
-            </a:r>
-            <a:r>
-              <a:rPr lang="en-US" sz="3600">
-                <a:solidFill>
-                  <a:schemeClr val="tx1"/>
-                </a:solidFill>
-              </a:rPr>
-              <a:t> November </a:t>
-            </a:r>
-            <a:r>
               <a:rPr lang="en-US" sz="3600" dirty="0">
                 <a:solidFill>
                   <a:schemeClr val="tx1"/>
                 </a:solidFill>
               </a:rPr>
-              <a:t>2022</a:t>
+            </a:br>
+            <a:r>
+              <a:rPr lang="en-US" sz="3600" dirty="0">
+                <a:solidFill>
+                  <a:schemeClr val="tx1"/>
+                </a:solidFill>
+              </a:rPr>
+              <a:t>22</a:t>
+            </a:r>
+            <a:r>
+              <a:rPr lang="en-US" sz="3600" baseline="30000" dirty="0">
+                <a:solidFill>
+                  <a:schemeClr val="tx1"/>
+                </a:solidFill>
+              </a:rPr>
+              <a:t>nd</a:t>
+            </a:r>
+            <a:r>
+              <a:rPr lang="en-US" sz="3600" dirty="0">
+                <a:solidFill>
+                  <a:schemeClr val="tx1"/>
+                </a:solidFill>
+              </a:rPr>
+              <a:t> November 2022</a:t>
             </a:r>
             <a:br>
               <a:rPr lang="en-US" dirty="0"/>
@@ -4339,7 +4416,7 @@
           <p:nvPr/>
         </p:nvPicPr>
         <p:blipFill>
-          <a:blip r:embed="rId2" cstate="print"/>
+          <a:blip r:embed="rId3" cstate="print"/>
           <a:stretch>
             <a:fillRect/>
           </a:stretch>
@@ -4360,6 +4437,11 @@
             <a:miter lim="800000"/>
           </a:ln>
           <a:effectLst>
+            <a:glow rad="127000">
+              <a:srgbClr val="FFFF00">
+                <a:alpha val="40000"/>
+              </a:srgbClr>
+            </a:glow>
             <a:outerShdw blurRad="50800" dist="38100" dir="2700000" algn="tl" rotWithShape="0">
               <a:srgbClr val="000000">
                 <a:alpha val="43000"/>
@@ -4643,8 +4725,13 @@
           <a:p>
             <a:r>
               <a:rPr lang="en-MY" dirty="0"/>
-              <a:t>Edit  app\Project.php</a:t>
-            </a:r>
+              <a:t>Edit  app\Models\</a:t>
+            </a:r>
+            <a:r>
+              <a:rPr lang="en-MY" dirty="0" err="1"/>
+              <a:t>Project.php</a:t>
+            </a:r>
+            <a:endParaRPr lang="en-MY" dirty="0"/>
           </a:p>
           <a:p>
             <a:pPr>
@@ -6624,6 +6711,22 @@
           </a:p>
           <a:p>
             <a:r>
+              <a:rPr lang="en-US" dirty="0"/>
+              <a:t>Install Git</a:t>
+            </a:r>
+          </a:p>
+          <a:p>
+            <a:pPr lvl="1"/>
+            <a:r>
+              <a:rPr lang="en-US" dirty="0">
+                <a:hlinkClick r:id="rId4"/>
+              </a:rPr>
+              <a:t>https://git-scm.com/downloads</a:t>
+            </a:r>
+            <a:endParaRPr lang="en-US" dirty="0"/>
+          </a:p>
+          <a:p>
+            <a:r>
               <a:rPr lang="en-MY" dirty="0"/>
               <a:t>Start Laragon</a:t>
             </a:r>
@@ -6647,7 +6750,7 @@
             </a:r>
             <a:r>
               <a:rPr lang="en-MY" dirty="0">
-                <a:hlinkClick r:id="rId4"/>
+                <a:hlinkClick r:id="rId5"/>
               </a:rPr>
               <a:t>http://projectname.test</a:t>
             </a:r>
@@ -7040,7 +7143,7 @@
           <a:p>
             <a:r>
               <a:rPr lang="en-MY" dirty="0"/>
-              <a:t>app/ - Model Files</a:t>
+              <a:t>app/Models - Model Files</a:t>
             </a:r>
           </a:p>
           <a:p>
